--- a/CloudComputing/HomeworkRecord/Unit3-d63fe013746aac9a549827da25466491.pptx
+++ b/CloudComputing/HomeworkRecord/Unit3-d63fe013746aac9a549827da25466491.pptx
@@ -5478,7 +5478,7 @@
         <p:spPr>
           <a:xfrm>
             <a:off x="920115" y="1605915"/>
-            <a:ext cx="10567670" cy="3646170"/>
+            <a:ext cx="10567670" cy="3969385"/>
           </a:xfrm>
           <a:prstGeom prst="rect">
             <a:avLst/>
@@ -5910,7 +5910,7 @@
                 <a:ea typeface="微软雅黑" panose="020B0503020204020204" pitchFamily="34" charset="-122"/>
                 <a:cs typeface="+mn-cs"/>
               </a:rPr>
-              <a:t>架构都支持硬件辅助虚拟化。硬件辅助虚拟化的出现也极大地减少了虚拟化后的</a:t>
+              <a:t>架构都支持硬件辅助虚拟化。纯软件的CPU虚拟化使用了陷入-模拟的模式来模拟特权指令，而在x86架构中由于只能模拟特权指令，无法模拟某些敏感指令而无法实现完全的虚拟化，而硬件辅助虚拟化则弥补了这一缺点。硬件辅助虚拟化的出现也极大地减少了虚拟化后的</a:t>
             </a:r>
             <a:r>
               <a:rPr kumimoji="0" lang="en-US" altLang="zh-CN" sz="1400" i="0" u="none" strike="noStrike" kern="1200" cap="none" spc="0" normalizeH="0" baseline="0" noProof="0">
@@ -6127,7 +6127,7 @@
                 <a:ea typeface="微软雅黑" panose="020B0503020204020204" pitchFamily="34" charset="-122"/>
                 <a:sym typeface="+mn-ea"/>
               </a:rPr>
-              <a:t>稳定性</a:t>
+              <a:t>灵活性</a:t>
             </a:r>
             <a:endParaRPr kumimoji="0" lang="zh-CN" altLang="en-US" sz="2400" b="0" i="0" u="none" strike="noStrike" kern="1200" cap="none" spc="0" normalizeH="0" baseline="0" noProof="0">
               <a:ln>
@@ -6159,7 +6159,7 @@
         <p:spPr>
           <a:xfrm>
             <a:off x="532130" y="931545"/>
-            <a:ext cx="7047230" cy="4939030"/>
+            <a:ext cx="7047230" cy="4292600"/>
           </a:xfrm>
           <a:prstGeom prst="rect">
             <a:avLst/>
@@ -6171,6 +6171,61 @@
             <a:spAutoFit/>
           </a:bodyPr>
           <a:lstStyle/>
+          <a:p>
+            <a:pPr marL="285750" marR="0" lvl="0" indent="-285750" algn="l" defTabSz="914400" rtl="0" fontAlgn="auto">
+              <a:lnSpc>
+                <a:spcPct val="150000"/>
+              </a:lnSpc>
+              <a:spcBef>
+                <a:spcPts val="0"/>
+              </a:spcBef>
+              <a:spcAft>
+                <a:spcPts val="0"/>
+              </a:spcAft>
+              <a:buClrTx/>
+              <a:buSzTx/>
+              <a:buFont typeface="Arial" panose="020B0604020202020204" pitchFamily="34" charset="0"/>
+              <a:buChar char="•"/>
+              <a:defRPr/>
+            </a:pPr>
+            <a:r>
+              <a:rPr kumimoji="0" lang="zh-CN" altLang="en-US" sz="1400" b="1" i="0" u="none" strike="noStrike" kern="1200" cap="none" spc="0" normalizeH="0" baseline="0" noProof="0">
+                <a:ln>
+                  <a:noFill/>
+                </a:ln>
+                <a:solidFill>
+                  <a:prstClr val="black">
+                    <a:lumMod val="85000"/>
+                    <a:lumOff val="15000"/>
+                  </a:prstClr>
+                </a:solidFill>
+                <a:effectLst/>
+                <a:uLnTx/>
+                <a:uFillTx/>
+                <a:latin typeface="微软雅黑" panose="020B0503020204020204" pitchFamily="34" charset="-122"/>
+                <a:ea typeface="微软雅黑" panose="020B0503020204020204" pitchFamily="34" charset="-122"/>
+                <a:cs typeface="+mn-cs"/>
+              </a:rPr>
+              <a:t>全虚拟化</a:t>
+            </a:r>
+            <a:endParaRPr kumimoji="0" lang="zh-CN" altLang="en-US" sz="1400" b="1" i="0" u="none" strike="noStrike" kern="1200" cap="none" spc="0" normalizeH="0" baseline="0" noProof="0">
+              <a:ln>
+                <a:noFill/>
+              </a:ln>
+              <a:solidFill>
+                <a:prstClr val="black">
+                  <a:lumMod val="85000"/>
+                  <a:lumOff val="15000"/>
+                </a:prstClr>
+              </a:solidFill>
+              <a:effectLst/>
+              <a:uLnTx/>
+              <a:uFillTx/>
+              <a:latin typeface="微软雅黑" panose="020B0503020204020204" pitchFamily="34" charset="-122"/>
+              <a:ea typeface="微软雅黑" panose="020B0503020204020204" pitchFamily="34" charset="-122"/>
+              <a:cs typeface="+mn-cs"/>
+            </a:endParaRPr>
+          </a:p>
           <a:p>
             <a:pPr marR="0" lvl="0" indent="457200" algn="l" defTabSz="914400" rtl="0" fontAlgn="auto">
               <a:lnSpc>
@@ -6184,7 +6239,7 @@
               </a:spcAft>
               <a:buClrTx/>
               <a:buSzTx/>
-              <a:buFontTx/>
+              <a:buFont typeface="Arial" panose="020B0604020202020204" pitchFamily="34" charset="0"/>
               <a:buNone/>
               <a:defRPr/>
             </a:pPr>
@@ -6206,367 +6261,7 @@
                 <a:ea typeface="微软雅黑" panose="020B0503020204020204" pitchFamily="34" charset="-122"/>
                 <a:cs typeface="+mn-cs"/>
               </a:rPr>
-              <a:t>在硬件虚拟化中，</a:t>
-            </a:r>
-            <a:r>
-              <a:rPr kumimoji="0" lang="en-US" altLang="zh-CN" sz="1400" i="0" u="none" strike="noStrike" kern="1200" cap="none" spc="0" normalizeH="0" baseline="0" noProof="0">
-                <a:ln>
-                  <a:noFill/>
-                </a:ln>
-                <a:solidFill>
-                  <a:prstClr val="black">
-                    <a:lumMod val="85000"/>
-                    <a:lumOff val="15000"/>
-                  </a:prstClr>
-                </a:solidFill>
-                <a:effectLst/>
-                <a:uLnTx/>
-                <a:uFillTx/>
-                <a:latin typeface="微软雅黑" panose="020B0503020204020204" pitchFamily="34" charset="-122"/>
-                <a:ea typeface="微软雅黑" panose="020B0503020204020204" pitchFamily="34" charset="-122"/>
-                <a:cs typeface="+mn-cs"/>
-              </a:rPr>
-              <a:t>CPU</a:t>
-            </a:r>
-            <a:r>
-              <a:rPr kumimoji="0" lang="zh-CN" altLang="en-US" sz="1400" i="0" u="none" strike="noStrike" kern="1200" cap="none" spc="0" normalizeH="0" baseline="0" noProof="0">
-                <a:ln>
-                  <a:noFill/>
-                </a:ln>
-                <a:solidFill>
-                  <a:prstClr val="black">
-                    <a:lumMod val="85000"/>
-                    <a:lumOff val="15000"/>
-                  </a:prstClr>
-                </a:solidFill>
-                <a:effectLst/>
-                <a:uLnTx/>
-                <a:uFillTx/>
-                <a:latin typeface="微软雅黑" panose="020B0503020204020204" pitchFamily="34" charset="-122"/>
-                <a:ea typeface="微软雅黑" panose="020B0503020204020204" pitchFamily="34" charset="-122"/>
-                <a:cs typeface="+mn-cs"/>
-              </a:rPr>
-              <a:t>指令环多了一个</a:t>
-            </a:r>
-            <a:r>
-              <a:rPr kumimoji="0" lang="en-US" altLang="zh-CN" sz="1400" i="0" u="none" strike="noStrike" kern="1200" cap="none" spc="0" normalizeH="0" baseline="0" noProof="0">
-                <a:ln>
-                  <a:noFill/>
-                </a:ln>
-                <a:solidFill>
-                  <a:prstClr val="black">
-                    <a:lumMod val="85000"/>
-                    <a:lumOff val="15000"/>
-                  </a:prstClr>
-                </a:solidFill>
-                <a:effectLst/>
-                <a:uLnTx/>
-                <a:uFillTx/>
-                <a:latin typeface="微软雅黑" panose="020B0503020204020204" pitchFamily="34" charset="-122"/>
-                <a:ea typeface="微软雅黑" panose="020B0503020204020204" pitchFamily="34" charset="-122"/>
-                <a:cs typeface="+mn-cs"/>
-              </a:rPr>
-              <a:t>-1</a:t>
-            </a:r>
-            <a:r>
-              <a:rPr kumimoji="0" lang="zh-CN" altLang="en-US" sz="1400" i="0" u="none" strike="noStrike" kern="1200" cap="none" spc="0" normalizeH="0" baseline="0" noProof="0">
-                <a:ln>
-                  <a:noFill/>
-                </a:ln>
-                <a:solidFill>
-                  <a:prstClr val="black">
-                    <a:lumMod val="85000"/>
-                    <a:lumOff val="15000"/>
-                  </a:prstClr>
-                </a:solidFill>
-                <a:effectLst/>
-                <a:uLnTx/>
-                <a:uFillTx/>
-                <a:latin typeface="微软雅黑" panose="020B0503020204020204" pitchFamily="34" charset="-122"/>
-                <a:ea typeface="微软雅黑" panose="020B0503020204020204" pitchFamily="34" charset="-122"/>
-                <a:cs typeface="+mn-cs"/>
-              </a:rPr>
-              <a:t>环，把</a:t>
-            </a:r>
-            <a:r>
-              <a:rPr kumimoji="0" lang="en-US" altLang="zh-CN" sz="1400" i="0" u="none" strike="noStrike" kern="1200" cap="none" spc="0" normalizeH="0" baseline="0" noProof="0">
-                <a:ln>
-                  <a:noFill/>
-                </a:ln>
-                <a:solidFill>
-                  <a:prstClr val="black">
-                    <a:lumMod val="85000"/>
-                    <a:lumOff val="15000"/>
-                  </a:prstClr>
-                </a:solidFill>
-                <a:effectLst/>
-                <a:uLnTx/>
-                <a:uFillTx/>
-                <a:latin typeface="微软雅黑" panose="020B0503020204020204" pitchFamily="34" charset="-122"/>
-                <a:ea typeface="微软雅黑" panose="020B0503020204020204" pitchFamily="34" charset="-122"/>
-                <a:cs typeface="+mn-cs"/>
-              </a:rPr>
-              <a:t>0</a:t>
-            </a:r>
-            <a:r>
-              <a:rPr kumimoji="0" lang="zh-CN" altLang="en-US" sz="1400" i="0" u="none" strike="noStrike" kern="1200" cap="none" spc="0" normalizeH="0" baseline="0" noProof="0">
-                <a:ln>
-                  <a:noFill/>
-                </a:ln>
-                <a:solidFill>
-                  <a:prstClr val="black">
-                    <a:lumMod val="85000"/>
-                    <a:lumOff val="15000"/>
-                  </a:prstClr>
-                </a:solidFill>
-                <a:effectLst/>
-                <a:uLnTx/>
-                <a:uFillTx/>
-                <a:latin typeface="微软雅黑" panose="020B0503020204020204" pitchFamily="34" charset="-122"/>
-                <a:ea typeface="微软雅黑" panose="020B0503020204020204" pitchFamily="34" charset="-122"/>
-                <a:cs typeface="+mn-cs"/>
-              </a:rPr>
-              <a:t>换给</a:t>
-            </a:r>
-            <a:r>
-              <a:rPr kumimoji="0" lang="en-US" altLang="zh-CN" sz="1400" i="0" u="none" strike="noStrike" kern="1200" cap="none" spc="0" normalizeH="0" baseline="0" noProof="0">
-                <a:ln>
-                  <a:noFill/>
-                </a:ln>
-                <a:solidFill>
-                  <a:prstClr val="black">
-                    <a:lumMod val="85000"/>
-                    <a:lumOff val="15000"/>
-                  </a:prstClr>
-                </a:solidFill>
-                <a:effectLst/>
-                <a:uLnTx/>
-                <a:uFillTx/>
-                <a:latin typeface="微软雅黑" panose="020B0503020204020204" pitchFamily="34" charset="-122"/>
-                <a:ea typeface="微软雅黑" panose="020B0503020204020204" pitchFamily="34" charset="-122"/>
-                <a:cs typeface="+mn-cs"/>
-              </a:rPr>
-              <a:t>Guest OS</a:t>
-            </a:r>
-            <a:r>
-              <a:rPr kumimoji="0" lang="zh-CN" altLang="en-US" sz="1400" i="0" u="none" strike="noStrike" kern="1200" cap="none" spc="0" normalizeH="0" baseline="0" noProof="0">
-                <a:ln>
-                  <a:noFill/>
-                </a:ln>
-                <a:solidFill>
-                  <a:prstClr val="black">
-                    <a:lumMod val="85000"/>
-                    <a:lumOff val="15000"/>
-                  </a:prstClr>
-                </a:solidFill>
-                <a:effectLst/>
-                <a:uLnTx/>
-                <a:uFillTx/>
-                <a:latin typeface="微软雅黑" panose="020B0503020204020204" pitchFamily="34" charset="-122"/>
-                <a:ea typeface="微软雅黑" panose="020B0503020204020204" pitchFamily="34" charset="-122"/>
-                <a:cs typeface="+mn-cs"/>
-              </a:rPr>
-              <a:t>的内核，当进行系统调用的时候，</a:t>
-            </a:r>
-            <a:r>
-              <a:rPr kumimoji="0" lang="en-US" altLang="zh-CN" sz="1400" i="0" u="none" strike="noStrike" kern="1200" cap="none" spc="0" normalizeH="0" baseline="0" noProof="0">
-                <a:ln>
-                  <a:noFill/>
-                </a:ln>
-                <a:solidFill>
-                  <a:prstClr val="black">
-                    <a:lumMod val="85000"/>
-                    <a:lumOff val="15000"/>
-                  </a:prstClr>
-                </a:solidFill>
-                <a:effectLst/>
-                <a:uLnTx/>
-                <a:uFillTx/>
-                <a:latin typeface="微软雅黑" panose="020B0503020204020204" pitchFamily="34" charset="-122"/>
-                <a:ea typeface="微软雅黑" panose="020B0503020204020204" pitchFamily="34" charset="-122"/>
-                <a:cs typeface="+mn-cs"/>
-              </a:rPr>
-              <a:t>Guest OS</a:t>
-            </a:r>
-            <a:r>
-              <a:rPr kumimoji="0" lang="zh-CN" altLang="en-US" sz="1400" i="0" u="none" strike="noStrike" kern="1200" cap="none" spc="0" normalizeH="0" baseline="0" noProof="0">
-                <a:ln>
-                  <a:noFill/>
-                </a:ln>
-                <a:solidFill>
-                  <a:prstClr val="black">
-                    <a:lumMod val="85000"/>
-                    <a:lumOff val="15000"/>
-                  </a:prstClr>
-                </a:solidFill>
-                <a:effectLst/>
-                <a:uLnTx/>
-                <a:uFillTx/>
-                <a:latin typeface="微软雅黑" panose="020B0503020204020204" pitchFamily="34" charset="-122"/>
-                <a:ea typeface="微软雅黑" panose="020B0503020204020204" pitchFamily="34" charset="-122"/>
-                <a:cs typeface="+mn-cs"/>
-              </a:rPr>
-              <a:t>会调用</a:t>
-            </a:r>
-            <a:r>
-              <a:rPr kumimoji="0" lang="en-US" altLang="zh-CN" sz="1400" i="0" u="none" strike="noStrike" kern="1200" cap="none" spc="0" normalizeH="0" baseline="0" noProof="0">
-                <a:ln>
-                  <a:noFill/>
-                </a:ln>
-                <a:solidFill>
-                  <a:prstClr val="black">
-                    <a:lumMod val="85000"/>
-                    <a:lumOff val="15000"/>
-                  </a:prstClr>
-                </a:solidFill>
-                <a:effectLst/>
-                <a:uLnTx/>
-                <a:uFillTx/>
-                <a:latin typeface="微软雅黑" panose="020B0503020204020204" pitchFamily="34" charset="-122"/>
-                <a:ea typeface="微软雅黑" panose="020B0503020204020204" pitchFamily="34" charset="-122"/>
-                <a:cs typeface="+mn-cs"/>
-              </a:rPr>
-              <a:t>0</a:t>
-            </a:r>
-            <a:r>
-              <a:rPr kumimoji="0" lang="zh-CN" altLang="en-US" sz="1400" i="0" u="none" strike="noStrike" kern="1200" cap="none" spc="0" normalizeH="0" baseline="0" noProof="0">
-                <a:ln>
-                  <a:noFill/>
-                </a:ln>
-                <a:solidFill>
-                  <a:prstClr val="black">
-                    <a:lumMod val="85000"/>
-                    <a:lumOff val="15000"/>
-                  </a:prstClr>
-                </a:solidFill>
-                <a:effectLst/>
-                <a:uLnTx/>
-                <a:uFillTx/>
-                <a:latin typeface="微软雅黑" panose="020B0503020204020204" pitchFamily="34" charset="-122"/>
-                <a:ea typeface="微软雅黑" panose="020B0503020204020204" pitchFamily="34" charset="-122"/>
-                <a:cs typeface="+mn-cs"/>
-              </a:rPr>
-              <a:t>环的特权指令，</a:t>
-            </a:r>
-            <a:r>
-              <a:rPr kumimoji="0" lang="en-US" altLang="zh-CN" sz="1400" i="0" u="none" strike="noStrike" kern="1200" cap="none" spc="0" normalizeH="0" baseline="0" noProof="0">
-                <a:ln>
-                  <a:noFill/>
-                </a:ln>
-                <a:solidFill>
-                  <a:prstClr val="black">
-                    <a:lumMod val="85000"/>
-                    <a:lumOff val="15000"/>
-                  </a:prstClr>
-                </a:solidFill>
-                <a:effectLst/>
-                <a:uLnTx/>
-                <a:uFillTx/>
-                <a:latin typeface="微软雅黑" panose="020B0503020204020204" pitchFamily="34" charset="-122"/>
-                <a:ea typeface="微软雅黑" panose="020B0503020204020204" pitchFamily="34" charset="-122"/>
-                <a:cs typeface="+mn-cs"/>
-              </a:rPr>
-              <a:t>0</a:t>
-            </a:r>
-            <a:r>
-              <a:rPr kumimoji="0" lang="zh-CN" altLang="en-US" sz="1400" i="0" u="none" strike="noStrike" kern="1200" cap="none" spc="0" normalizeH="0" baseline="0" noProof="0">
-                <a:ln>
-                  <a:noFill/>
-                </a:ln>
-                <a:solidFill>
-                  <a:prstClr val="black">
-                    <a:lumMod val="85000"/>
-                    <a:lumOff val="15000"/>
-                  </a:prstClr>
-                </a:solidFill>
-                <a:effectLst/>
-                <a:uLnTx/>
-                <a:uFillTx/>
-                <a:latin typeface="微软雅黑" panose="020B0503020204020204" pitchFamily="34" charset="-122"/>
-                <a:ea typeface="微软雅黑" panose="020B0503020204020204" pitchFamily="34" charset="-122"/>
-                <a:cs typeface="+mn-cs"/>
-              </a:rPr>
-              <a:t>环上的特权指令时假的，被</a:t>
-            </a:r>
-            <a:r>
-              <a:rPr kumimoji="0" lang="en-US" altLang="zh-CN" sz="1400" i="0" u="none" strike="noStrike" kern="1200" cap="none" spc="0" normalizeH="0" baseline="0" noProof="0">
-                <a:ln>
-                  <a:noFill/>
-                </a:ln>
-                <a:solidFill>
-                  <a:prstClr val="black">
-                    <a:lumMod val="85000"/>
-                    <a:lumOff val="15000"/>
-                  </a:prstClr>
-                </a:solidFill>
-                <a:effectLst/>
-                <a:uLnTx/>
-                <a:uFillTx/>
-                <a:latin typeface="微软雅黑" panose="020B0503020204020204" pitchFamily="34" charset="-122"/>
-                <a:ea typeface="微软雅黑" panose="020B0503020204020204" pitchFamily="34" charset="-122"/>
-                <a:cs typeface="+mn-cs"/>
-              </a:rPr>
-              <a:t>Host</a:t>
-            </a:r>
-            <a:r>
-              <a:rPr kumimoji="0" lang="zh-CN" altLang="en-US" sz="1400" i="0" u="none" strike="noStrike" kern="1200" cap="none" spc="0" normalizeH="0" baseline="0" noProof="0">
-                <a:ln>
-                  <a:noFill/>
-                </a:ln>
-                <a:solidFill>
-                  <a:prstClr val="black">
-                    <a:lumMod val="85000"/>
-                    <a:lumOff val="15000"/>
-                  </a:prstClr>
-                </a:solidFill>
-                <a:effectLst/>
-                <a:uLnTx/>
-                <a:uFillTx/>
-                <a:latin typeface="微软雅黑" panose="020B0503020204020204" pitchFamily="34" charset="-122"/>
-                <a:ea typeface="微软雅黑" panose="020B0503020204020204" pitchFamily="34" charset="-122"/>
-                <a:cs typeface="+mn-cs"/>
-              </a:rPr>
-              <a:t>的内核捕获，进而转换调用</a:t>
-            </a:r>
-            <a:r>
-              <a:rPr kumimoji="0" lang="en-US" altLang="zh-CN" sz="1400" i="0" u="none" strike="noStrike" kern="1200" cap="none" spc="0" normalizeH="0" baseline="0" noProof="0">
-                <a:ln>
-                  <a:noFill/>
-                </a:ln>
-                <a:solidFill>
-                  <a:prstClr val="black">
-                    <a:lumMod val="85000"/>
-                    <a:lumOff val="15000"/>
-                  </a:prstClr>
-                </a:solidFill>
-                <a:effectLst/>
-                <a:uLnTx/>
-                <a:uFillTx/>
-                <a:latin typeface="微软雅黑" panose="020B0503020204020204" pitchFamily="34" charset="-122"/>
-                <a:ea typeface="微软雅黑" panose="020B0503020204020204" pitchFamily="34" charset="-122"/>
-                <a:cs typeface="+mn-cs"/>
-              </a:rPr>
-              <a:t>-1</a:t>
-            </a:r>
-            <a:r>
-              <a:rPr kumimoji="0" lang="zh-CN" altLang="en-US" sz="1400" i="0" u="none" strike="noStrike" kern="1200" cap="none" spc="0" normalizeH="0" baseline="0" noProof="0">
-                <a:ln>
-                  <a:noFill/>
-                </a:ln>
-                <a:solidFill>
-                  <a:prstClr val="black">
-                    <a:lumMod val="85000"/>
-                    <a:lumOff val="15000"/>
-                  </a:prstClr>
-                </a:solidFill>
-                <a:effectLst/>
-                <a:uLnTx/>
-                <a:uFillTx/>
-                <a:latin typeface="微软雅黑" panose="020B0503020204020204" pitchFamily="34" charset="-122"/>
-                <a:ea typeface="微软雅黑" panose="020B0503020204020204" pitchFamily="34" charset="-122"/>
-                <a:cs typeface="+mn-cs"/>
-              </a:rPr>
-              <a:t>环的特权指令，这些过程都是由硬件来进行的，这种模式和半虚拟化类似。</a:t>
+              <a:t>全虚拟化技术支持运行任何理论上可在真实物理平台上运行的操作系统， 为虚拟机的配置提供了最大程度的灵活性。不需要对客户机操作系统做任何修改即可正常运行任何非虚拟化环境中已存在基于X86平台的操作系统和软件，这也是全虚拟化无可比拟的优势。</a:t>
             </a:r>
             <a:endParaRPr kumimoji="0" lang="zh-CN" altLang="en-US" sz="1400" i="0" u="none" strike="noStrike" kern="1200" cap="none" spc="0" normalizeH="0" baseline="0" noProof="0">
               <a:ln>
@@ -6587,6 +6282,61 @@
             </a:endParaRPr>
           </a:p>
           <a:p>
+            <a:pPr marL="285750" marR="0" lvl="0" indent="-285750" algn="l" defTabSz="914400" rtl="0" fontAlgn="auto">
+              <a:lnSpc>
+                <a:spcPct val="150000"/>
+              </a:lnSpc>
+              <a:spcBef>
+                <a:spcPts val="0"/>
+              </a:spcBef>
+              <a:spcAft>
+                <a:spcPts val="0"/>
+              </a:spcAft>
+              <a:buClrTx/>
+              <a:buSzTx/>
+              <a:buFont typeface="Arial" panose="020B0604020202020204" pitchFamily="34" charset="0"/>
+              <a:buChar char="•"/>
+              <a:defRPr/>
+            </a:pPr>
+            <a:r>
+              <a:rPr kumimoji="0" lang="zh-CN" altLang="en-US" sz="1400" b="1" i="0" u="none" strike="noStrike" kern="1200" cap="none" spc="0" normalizeH="0" baseline="0" noProof="0">
+                <a:ln>
+                  <a:noFill/>
+                </a:ln>
+                <a:solidFill>
+                  <a:prstClr val="black">
+                    <a:lumMod val="85000"/>
+                    <a:lumOff val="15000"/>
+                  </a:prstClr>
+                </a:solidFill>
+                <a:effectLst/>
+                <a:uLnTx/>
+                <a:uFillTx/>
+                <a:latin typeface="微软雅黑" panose="020B0503020204020204" pitchFamily="34" charset="-122"/>
+                <a:ea typeface="微软雅黑" panose="020B0503020204020204" pitchFamily="34" charset="-122"/>
+                <a:cs typeface="+mn-cs"/>
+              </a:rPr>
+              <a:t>半虚拟化</a:t>
+            </a:r>
+            <a:endParaRPr kumimoji="0" lang="zh-CN" altLang="en-US" sz="1400" b="1" i="0" u="none" strike="noStrike" kern="1200" cap="none" spc="0" normalizeH="0" baseline="0" noProof="0">
+              <a:ln>
+                <a:noFill/>
+              </a:ln>
+              <a:solidFill>
+                <a:prstClr val="black">
+                  <a:lumMod val="85000"/>
+                  <a:lumOff val="15000"/>
+                </a:prstClr>
+              </a:solidFill>
+              <a:effectLst/>
+              <a:uLnTx/>
+              <a:uFillTx/>
+              <a:latin typeface="微软雅黑" panose="020B0503020204020204" pitchFamily="34" charset="-122"/>
+              <a:ea typeface="微软雅黑" panose="020B0503020204020204" pitchFamily="34" charset="-122"/>
+              <a:cs typeface="+mn-cs"/>
+            </a:endParaRPr>
+          </a:p>
+          <a:p>
             <a:pPr marR="0" lvl="0" indent="457200" algn="l" defTabSz="914400" rtl="0" fontAlgn="auto">
               <a:lnSpc>
                 <a:spcPct val="150000"/>
@@ -6599,7 +6349,7 @@
               </a:spcAft>
               <a:buClrTx/>
               <a:buSzTx/>
-              <a:buFontTx/>
+              <a:buFont typeface="Arial" panose="020B0604020202020204" pitchFamily="34" charset="0"/>
               <a:buNone/>
               <a:defRPr/>
             </a:pPr>
@@ -6621,7 +6371,47 @@
                 <a:ea typeface="微软雅黑" panose="020B0503020204020204" pitchFamily="34" charset="-122"/>
                 <a:cs typeface="+mn-cs"/>
               </a:rPr>
-              <a:t>硬件辅助虚拟化有以下几种技术：</a:t>
+              <a:t>以</a:t>
+            </a:r>
+            <a:r>
+              <a:rPr kumimoji="0" lang="en-US" altLang="zh-CN" sz="1400" i="0" u="none" strike="noStrike" kern="1200" cap="none" spc="0" normalizeH="0" baseline="0" noProof="0">
+                <a:ln>
+                  <a:noFill/>
+                </a:ln>
+                <a:solidFill>
+                  <a:prstClr val="black">
+                    <a:lumMod val="85000"/>
+                    <a:lumOff val="15000"/>
+                  </a:prstClr>
+                </a:solidFill>
+                <a:effectLst/>
+                <a:uLnTx/>
+                <a:uFillTx/>
+                <a:latin typeface="微软雅黑" panose="020B0503020204020204" pitchFamily="34" charset="-122"/>
+                <a:ea typeface="微软雅黑" panose="020B0503020204020204" pitchFamily="34" charset="-122"/>
+                <a:cs typeface="+mn-cs"/>
+              </a:rPr>
+              <a:t>Xen</a:t>
+            </a:r>
+            <a:r>
+              <a:rPr kumimoji="0" lang="zh-CN" altLang="en-US" sz="1400" i="0" u="none" strike="noStrike" kern="1200" cap="none" spc="0" normalizeH="0" baseline="0" noProof="0">
+                <a:ln>
+                  <a:noFill/>
+                </a:ln>
+                <a:solidFill>
+                  <a:prstClr val="black">
+                    <a:lumMod val="85000"/>
+                    <a:lumOff val="15000"/>
+                  </a:prstClr>
+                </a:solidFill>
+                <a:effectLst/>
+                <a:uLnTx/>
+                <a:uFillTx/>
+                <a:latin typeface="微软雅黑" panose="020B0503020204020204" pitchFamily="34" charset="-122"/>
+                <a:ea typeface="微软雅黑" panose="020B0503020204020204" pitchFamily="34" charset="-122"/>
+                <a:cs typeface="+mn-cs"/>
+              </a:rPr>
+              <a:t>为例，Xen是开源准虚拟化技术的一个例子，操作系统作为虚拟服务器在Xen Hypervisor上运行之前，它必须在内核层面进行某些改变。因此，Xen适用于BSD、Linux、Solaris及其他开源操作系统，但不适合对像Windows这些专有的操作系统进行虚拟化处理，因为它们不公开源代码，所以无法修改其内核。</a:t>
             </a:r>
             <a:endParaRPr kumimoji="0" lang="zh-CN" altLang="en-US" sz="1400" i="0" u="none" strike="noStrike" kern="1200" cap="none" spc="0" normalizeH="0" baseline="0" noProof="0">
               <a:ln>
@@ -6642,7 +6432,7 @@
             </a:endParaRPr>
           </a:p>
           <a:p>
-            <a:pPr marL="742950" marR="0" lvl="1" indent="-285750" algn="l" defTabSz="914400" rtl="0" fontAlgn="auto">
+            <a:pPr marL="285750" marR="0" lvl="0" indent="-285750" algn="l" defTabSz="914400" rtl="0" fontAlgn="auto">
               <a:lnSpc>
                 <a:spcPct val="150000"/>
               </a:lnSpc>
@@ -6676,7 +6466,7 @@
                 <a:ea typeface="微软雅黑" panose="020B0503020204020204" pitchFamily="34" charset="-122"/>
                 <a:cs typeface="+mn-cs"/>
               </a:rPr>
-              <a:t>Intel的VT-x</a:t>
+              <a:t>硬件辅助虚拟化</a:t>
             </a:r>
             <a:endParaRPr kumimoji="0" lang="zh-CN" altLang="en-US" sz="1400" b="1" i="0" u="none" strike="noStrike" kern="1200" cap="none" spc="0" normalizeH="0" baseline="0" noProof="0">
               <a:ln>
@@ -6697,7 +6487,7 @@
             </a:endParaRPr>
           </a:p>
           <a:p>
-            <a:pPr marR="0" lvl="1" indent="457200" algn="l" defTabSz="914400" rtl="0" fontAlgn="auto">
+            <a:pPr marR="0" lvl="0" indent="0" algn="l" defTabSz="914400" rtl="0" fontAlgn="auto">
               <a:lnSpc>
                 <a:spcPct val="150000"/>
               </a:lnSpc>
@@ -6713,26 +6503,6 @@
               <a:buNone/>
               <a:defRPr/>
             </a:pPr>
-            <a:r>
-              <a:rPr kumimoji="0" lang="zh-CN" altLang="en-US" sz="1400" i="0" u="none" strike="noStrike" kern="1200" cap="none" spc="0" normalizeH="0" baseline="0" noProof="0">
-                <a:ln>
-                  <a:noFill/>
-                </a:ln>
-                <a:solidFill>
-                  <a:prstClr val="black">
-                    <a:lumMod val="85000"/>
-                    <a:lumOff val="15000"/>
-                  </a:prstClr>
-                </a:solidFill>
-                <a:effectLst/>
-                <a:uLnTx/>
-                <a:uFillTx/>
-                <a:latin typeface="微软雅黑" panose="020B0503020204020204" pitchFamily="34" charset="-122"/>
-                <a:ea typeface="微软雅黑" panose="020B0503020204020204" pitchFamily="34" charset="-122"/>
-                <a:cs typeface="+mn-cs"/>
-              </a:rPr>
-              <a:t>为弥补x86处理器的虚拟化缺陷，市场的驱动催生了VT-x，Intel推出了基于x86架构的硬件辅助虚拟化技术Intel VT(Intel Virtualization Technology)。ntel VT-x技术解决了早期x86架构在虚拟化方面存在的缺陷，可以使未经修改的Guest OS运行在特权级0，同时减小VMM对Guest OS的干预。Intel VT-d技术经过使VMM将特定I/O设备直接分配给特定的Guest OS，减小VMM对I/O处理的管理，不但加速数据传输，且消除了大部分性能开销。</a:t>
-            </a:r>
             <a:endParaRPr kumimoji="0" lang="zh-CN" altLang="en-US" sz="1400" i="0" u="none" strike="noStrike" kern="1200" cap="none" spc="0" normalizeH="0" baseline="0" noProof="0">
               <a:ln>
                 <a:noFill/>
@@ -6752,62 +6522,7 @@
             </a:endParaRPr>
           </a:p>
           <a:p>
-            <a:pPr marL="742950" marR="0" lvl="1" indent="-285750" algn="l" defTabSz="914400" rtl="0" fontAlgn="auto">
-              <a:lnSpc>
-                <a:spcPct val="150000"/>
-              </a:lnSpc>
-              <a:spcBef>
-                <a:spcPts val="0"/>
-              </a:spcBef>
-              <a:spcAft>
-                <a:spcPts val="0"/>
-              </a:spcAft>
-              <a:buClrTx/>
-              <a:buSzTx/>
-              <a:buFont typeface="Arial" panose="020B0604020202020204" pitchFamily="34" charset="0"/>
-              <a:buChar char="•"/>
-              <a:defRPr/>
-            </a:pPr>
-            <a:r>
-              <a:rPr kumimoji="0" lang="zh-CN" altLang="en-US" sz="1400" b="1" i="0" u="none" strike="noStrike" kern="1200" cap="none" spc="0" normalizeH="0" baseline="0" noProof="0">
-                <a:ln>
-                  <a:noFill/>
-                </a:ln>
-                <a:solidFill>
-                  <a:prstClr val="black">
-                    <a:lumMod val="85000"/>
-                    <a:lumOff val="15000"/>
-                  </a:prstClr>
-                </a:solidFill>
-                <a:effectLst/>
-                <a:uLnTx/>
-                <a:uFillTx/>
-                <a:latin typeface="微软雅黑" panose="020B0503020204020204" pitchFamily="34" charset="-122"/>
-                <a:ea typeface="微软雅黑" panose="020B0503020204020204" pitchFamily="34" charset="-122"/>
-                <a:cs typeface="+mn-cs"/>
-              </a:rPr>
-              <a:t>AMD的AMD-V</a:t>
-            </a:r>
-            <a:endParaRPr kumimoji="0" lang="zh-CN" altLang="en-US" sz="1400" b="1" i="0" u="none" strike="noStrike" kern="1200" cap="none" spc="0" normalizeH="0" baseline="0" noProof="0">
-              <a:ln>
-                <a:noFill/>
-              </a:ln>
-              <a:solidFill>
-                <a:prstClr val="black">
-                  <a:lumMod val="85000"/>
-                  <a:lumOff val="15000"/>
-                </a:prstClr>
-              </a:solidFill>
-              <a:effectLst/>
-              <a:uLnTx/>
-              <a:uFillTx/>
-              <a:latin typeface="微软雅黑" panose="020B0503020204020204" pitchFamily="34" charset="-122"/>
-              <a:ea typeface="微软雅黑" panose="020B0503020204020204" pitchFamily="34" charset="-122"/>
-              <a:cs typeface="+mn-cs"/>
-            </a:endParaRPr>
-          </a:p>
-          <a:p>
-            <a:pPr marR="0" lvl="1" indent="457200" algn="l" defTabSz="914400" rtl="0" fontAlgn="auto">
+            <a:pPr marR="0" lvl="0" indent="0" algn="l" defTabSz="914400" rtl="0" fontAlgn="auto">
               <a:lnSpc>
                 <a:spcPct val="150000"/>
               </a:lnSpc>
@@ -6823,26 +6538,6 @@
               <a:buNone/>
               <a:defRPr/>
             </a:pPr>
-            <a:r>
-              <a:rPr kumimoji="0" lang="zh-CN" altLang="en-US" sz="1400" i="0" u="none" strike="noStrike" kern="1200" cap="none" spc="0" normalizeH="0" baseline="0" noProof="0">
-                <a:ln>
-                  <a:noFill/>
-                </a:ln>
-                <a:solidFill>
-                  <a:prstClr val="black">
-                    <a:lumMod val="85000"/>
-                    <a:lumOff val="15000"/>
-                  </a:prstClr>
-                </a:solidFill>
-                <a:effectLst/>
-                <a:uLnTx/>
-                <a:uFillTx/>
-                <a:latin typeface="微软雅黑" panose="020B0503020204020204" pitchFamily="34" charset="-122"/>
-                <a:ea typeface="微软雅黑" panose="020B0503020204020204" pitchFamily="34" charset="-122"/>
-                <a:cs typeface="+mn-cs"/>
-              </a:rPr>
-              <a:t>Intel VT-x 和 AMD-V 提供的特征大多功能相似，但名称可能不同。尽管其类似性，Intel VT-x 和 AMD-V 在实现上对 VMM 而言是不兼容的。</a:t>
-            </a:r>
             <a:endParaRPr kumimoji="0" lang="zh-CN" altLang="en-US" sz="1400" i="0" u="none" strike="noStrike" kern="1200" cap="none" spc="0" normalizeH="0" baseline="0" noProof="0">
               <a:ln>
                 <a:noFill/>
